--- a/01_DipolesSources/TD_01_Girouette_Potentiometre/images/Figures.pptx
+++ b/01_DipolesSources/TD_01_Girouette_Potentiometre/images/Figures.pptx
@@ -291,7 +291,7 @@
             <a:fld id="{47C414CA-3B1E-4C42-B862-7A4C61ED653A}" type="datetimeFigureOut">
               <a:rPr lang="fr-FR" smtClean="0"/>
               <a:pPr/>
-              <a:t>22/09/2014</a:t>
+              <a:t>24/09/2014</a:t>
             </a:fld>
             <a:endParaRPr lang="fr-FR"/>
           </a:p>
@@ -343,7 +343,7 @@
     </p:spTree>
     <p:extLst>
       <p:ext uri="{BB962C8B-B14F-4D97-AF65-F5344CB8AC3E}">
-        <p14:creationId xmlns="" xmlns:p14="http://schemas.microsoft.com/office/powerpoint/2010/main" val="2856293908"/>
+        <p14:creationId xmlns:p14="http://schemas.microsoft.com/office/powerpoint/2010/main" val="2856293908"/>
       </p:ext>
     </p:extLst>
   </p:cSld>
@@ -463,7 +463,7 @@
             <a:fld id="{47C414CA-3B1E-4C42-B862-7A4C61ED653A}" type="datetimeFigureOut">
               <a:rPr lang="fr-FR" smtClean="0"/>
               <a:pPr/>
-              <a:t>22/09/2014</a:t>
+              <a:t>24/09/2014</a:t>
             </a:fld>
             <a:endParaRPr lang="fr-FR"/>
           </a:p>
@@ -515,7 +515,7 @@
     </p:spTree>
     <p:extLst>
       <p:ext uri="{BB962C8B-B14F-4D97-AF65-F5344CB8AC3E}">
-        <p14:creationId xmlns="" xmlns:p14="http://schemas.microsoft.com/office/powerpoint/2010/main" val="1582927163"/>
+        <p14:creationId xmlns:p14="http://schemas.microsoft.com/office/powerpoint/2010/main" val="1582927163"/>
       </p:ext>
     </p:extLst>
   </p:cSld>
@@ -645,7 +645,7 @@
             <a:fld id="{47C414CA-3B1E-4C42-B862-7A4C61ED653A}" type="datetimeFigureOut">
               <a:rPr lang="fr-FR" smtClean="0"/>
               <a:pPr/>
-              <a:t>22/09/2014</a:t>
+              <a:t>24/09/2014</a:t>
             </a:fld>
             <a:endParaRPr lang="fr-FR"/>
           </a:p>
@@ -697,7 +697,7 @@
     </p:spTree>
     <p:extLst>
       <p:ext uri="{BB962C8B-B14F-4D97-AF65-F5344CB8AC3E}">
-        <p14:creationId xmlns="" xmlns:p14="http://schemas.microsoft.com/office/powerpoint/2010/main" val="1059976137"/>
+        <p14:creationId xmlns:p14="http://schemas.microsoft.com/office/powerpoint/2010/main" val="1059976137"/>
       </p:ext>
     </p:extLst>
   </p:cSld>
@@ -817,7 +817,7 @@
             <a:fld id="{47C414CA-3B1E-4C42-B862-7A4C61ED653A}" type="datetimeFigureOut">
               <a:rPr lang="fr-FR" smtClean="0"/>
               <a:pPr/>
-              <a:t>22/09/2014</a:t>
+              <a:t>24/09/2014</a:t>
             </a:fld>
             <a:endParaRPr lang="fr-FR"/>
           </a:p>
@@ -869,7 +869,7 @@
     </p:spTree>
     <p:extLst>
       <p:ext uri="{BB962C8B-B14F-4D97-AF65-F5344CB8AC3E}">
-        <p14:creationId xmlns="" xmlns:p14="http://schemas.microsoft.com/office/powerpoint/2010/main" val="4269837739"/>
+        <p14:creationId xmlns:p14="http://schemas.microsoft.com/office/powerpoint/2010/main" val="4269837739"/>
       </p:ext>
     </p:extLst>
   </p:cSld>
@@ -1065,7 +1065,7 @@
             <a:fld id="{47C414CA-3B1E-4C42-B862-7A4C61ED653A}" type="datetimeFigureOut">
               <a:rPr lang="fr-FR" smtClean="0"/>
               <a:pPr/>
-              <a:t>22/09/2014</a:t>
+              <a:t>24/09/2014</a:t>
             </a:fld>
             <a:endParaRPr lang="fr-FR"/>
           </a:p>
@@ -1117,7 +1117,7 @@
     </p:spTree>
     <p:extLst>
       <p:ext uri="{BB962C8B-B14F-4D97-AF65-F5344CB8AC3E}">
-        <p14:creationId xmlns="" xmlns:p14="http://schemas.microsoft.com/office/powerpoint/2010/main" val="2897250723"/>
+        <p14:creationId xmlns:p14="http://schemas.microsoft.com/office/powerpoint/2010/main" val="2897250723"/>
       </p:ext>
     </p:extLst>
   </p:cSld>
@@ -1355,7 +1355,7 @@
             <a:fld id="{47C414CA-3B1E-4C42-B862-7A4C61ED653A}" type="datetimeFigureOut">
               <a:rPr lang="fr-FR" smtClean="0"/>
               <a:pPr/>
-              <a:t>22/09/2014</a:t>
+              <a:t>24/09/2014</a:t>
             </a:fld>
             <a:endParaRPr lang="fr-FR"/>
           </a:p>
@@ -1407,7 +1407,7 @@
     </p:spTree>
     <p:extLst>
       <p:ext uri="{BB962C8B-B14F-4D97-AF65-F5344CB8AC3E}">
-        <p14:creationId xmlns="" xmlns:p14="http://schemas.microsoft.com/office/powerpoint/2010/main" val="3582910325"/>
+        <p14:creationId xmlns:p14="http://schemas.microsoft.com/office/powerpoint/2010/main" val="3582910325"/>
       </p:ext>
     </p:extLst>
   </p:cSld>
@@ -1779,7 +1779,7 @@
             <a:fld id="{47C414CA-3B1E-4C42-B862-7A4C61ED653A}" type="datetimeFigureOut">
               <a:rPr lang="fr-FR" smtClean="0"/>
               <a:pPr/>
-              <a:t>22/09/2014</a:t>
+              <a:t>24/09/2014</a:t>
             </a:fld>
             <a:endParaRPr lang="fr-FR"/>
           </a:p>
@@ -1831,7 +1831,7 @@
     </p:spTree>
     <p:extLst>
       <p:ext uri="{BB962C8B-B14F-4D97-AF65-F5344CB8AC3E}">
-        <p14:creationId xmlns="" xmlns:p14="http://schemas.microsoft.com/office/powerpoint/2010/main" val="1324806398"/>
+        <p14:creationId xmlns:p14="http://schemas.microsoft.com/office/powerpoint/2010/main" val="1324806398"/>
       </p:ext>
     </p:extLst>
   </p:cSld>
@@ -1899,7 +1899,7 @@
             <a:fld id="{47C414CA-3B1E-4C42-B862-7A4C61ED653A}" type="datetimeFigureOut">
               <a:rPr lang="fr-FR" smtClean="0"/>
               <a:pPr/>
-              <a:t>22/09/2014</a:t>
+              <a:t>24/09/2014</a:t>
             </a:fld>
             <a:endParaRPr lang="fr-FR"/>
           </a:p>
@@ -1951,7 +1951,7 @@
     </p:spTree>
     <p:extLst>
       <p:ext uri="{BB962C8B-B14F-4D97-AF65-F5344CB8AC3E}">
-        <p14:creationId xmlns="" xmlns:p14="http://schemas.microsoft.com/office/powerpoint/2010/main" val="2168317633"/>
+        <p14:creationId xmlns:p14="http://schemas.microsoft.com/office/powerpoint/2010/main" val="2168317633"/>
       </p:ext>
     </p:extLst>
   </p:cSld>
@@ -1996,7 +1996,7 @@
             <a:fld id="{47C414CA-3B1E-4C42-B862-7A4C61ED653A}" type="datetimeFigureOut">
               <a:rPr lang="fr-FR" smtClean="0"/>
               <a:pPr/>
-              <a:t>22/09/2014</a:t>
+              <a:t>24/09/2014</a:t>
             </a:fld>
             <a:endParaRPr lang="fr-FR"/>
           </a:p>
@@ -2048,7 +2048,7 @@
     </p:spTree>
     <p:extLst>
       <p:ext uri="{BB962C8B-B14F-4D97-AF65-F5344CB8AC3E}">
-        <p14:creationId xmlns="" xmlns:p14="http://schemas.microsoft.com/office/powerpoint/2010/main" val="721889609"/>
+        <p14:creationId xmlns:p14="http://schemas.microsoft.com/office/powerpoint/2010/main" val="721889609"/>
       </p:ext>
     </p:extLst>
   </p:cSld>
@@ -2275,7 +2275,7 @@
             <a:fld id="{47C414CA-3B1E-4C42-B862-7A4C61ED653A}" type="datetimeFigureOut">
               <a:rPr lang="fr-FR" smtClean="0"/>
               <a:pPr/>
-              <a:t>22/09/2014</a:t>
+              <a:t>24/09/2014</a:t>
             </a:fld>
             <a:endParaRPr lang="fr-FR"/>
           </a:p>
@@ -2327,7 +2327,7 @@
     </p:spTree>
     <p:extLst>
       <p:ext uri="{BB962C8B-B14F-4D97-AF65-F5344CB8AC3E}">
-        <p14:creationId xmlns="" xmlns:p14="http://schemas.microsoft.com/office/powerpoint/2010/main" val="2704931599"/>
+        <p14:creationId xmlns:p14="http://schemas.microsoft.com/office/powerpoint/2010/main" val="2704931599"/>
       </p:ext>
     </p:extLst>
   </p:cSld>
@@ -2530,7 +2530,7 @@
             <a:fld id="{47C414CA-3B1E-4C42-B862-7A4C61ED653A}" type="datetimeFigureOut">
               <a:rPr lang="fr-FR" smtClean="0"/>
               <a:pPr/>
-              <a:t>22/09/2014</a:t>
+              <a:t>24/09/2014</a:t>
             </a:fld>
             <a:endParaRPr lang="fr-FR"/>
           </a:p>
@@ -2582,7 +2582,7 @@
     </p:spTree>
     <p:extLst>
       <p:ext uri="{BB962C8B-B14F-4D97-AF65-F5344CB8AC3E}">
-        <p14:creationId xmlns="" xmlns:p14="http://schemas.microsoft.com/office/powerpoint/2010/main" val="2299115974"/>
+        <p14:creationId xmlns:p14="http://schemas.microsoft.com/office/powerpoint/2010/main" val="2299115974"/>
       </p:ext>
     </p:extLst>
   </p:cSld>
@@ -2745,7 +2745,7 @@
             <a:fld id="{47C414CA-3B1E-4C42-B862-7A4C61ED653A}" type="datetimeFigureOut">
               <a:rPr lang="fr-FR" smtClean="0"/>
               <a:pPr/>
-              <a:t>22/09/2014</a:t>
+              <a:t>24/09/2014</a:t>
             </a:fld>
             <a:endParaRPr lang="fr-FR"/>
           </a:p>
@@ -2833,7 +2833,7 @@
     </p:spTree>
     <p:extLst>
       <p:ext uri="{BB962C8B-B14F-4D97-AF65-F5344CB8AC3E}">
-        <p14:creationId xmlns="" xmlns:p14="http://schemas.microsoft.com/office/powerpoint/2010/main" val="407458268"/>
+        <p14:creationId xmlns:p14="http://schemas.microsoft.com/office/powerpoint/2010/main" val="407458268"/>
       </p:ext>
     </p:extLst>
   </p:cSld>
@@ -4203,7 +4203,7 @@
     </p:spTree>
     <p:extLst>
       <p:ext uri="{BB962C8B-B14F-4D97-AF65-F5344CB8AC3E}">
-        <p14:creationId xmlns="" xmlns:p14="http://schemas.microsoft.com/office/powerpoint/2010/main" val="4178650199"/>
+        <p14:creationId xmlns:p14="http://schemas.microsoft.com/office/powerpoint/2010/main" val="4178650199"/>
       </p:ext>
     </p:extLst>
   </p:cSld>
@@ -4918,16 +4918,16 @@
         </p:nvCxnSpPr>
         <p:spPr>
           <a:xfrm flipH="1">
-            <a:off x="3053586" y="1803400"/>
-            <a:ext cx="222270" cy="251436"/>
+            <a:off x="3053586" y="1757505"/>
+            <a:ext cx="262841" cy="297331"/>
           </a:xfrm>
           <a:prstGeom prst="line">
             <a:avLst/>
           </a:prstGeom>
           <a:noFill/>
-          <a:ln w="12700">
+          <a:ln w="28575">
             <a:solidFill>
-              <a:srgbClr val="0070C0"/>
+              <a:srgbClr val="7030A0"/>
             </a:solidFill>
           </a:ln>
         </p:spPr>
@@ -4963,9 +4963,9 @@
             <a:avLst/>
           </a:prstGeom>
           <a:noFill/>
-          <a:ln w="12700">
+          <a:ln w="28575">
             <a:solidFill>
-              <a:srgbClr val="0070C0"/>
+              <a:srgbClr val="7030A0"/>
             </a:solidFill>
             <a:tailEnd type="stealth" w="sm" len="med"/>
           </a:ln>
@@ -5004,7 +5004,7 @@
           <a:noFill/>
           <a:ln w="12700">
             <a:solidFill>
-              <a:srgbClr val="0070C0"/>
+              <a:srgbClr val="7030A0"/>
             </a:solidFill>
           </a:ln>
         </p:spPr>
@@ -5040,10 +5040,12 @@
             <a:avLst/>
           </a:prstGeom>
           <a:solidFill>
-            <a:srgbClr val="0070C0"/>
+            <a:srgbClr val="7030A0"/>
           </a:solidFill>
           <a:ln>
-            <a:noFill/>
+            <a:solidFill>
+              <a:srgbClr val="7030A0"/>
+            </a:solidFill>
           </a:ln>
         </p:spPr>
         <p:style>
@@ -5693,10 +5695,43 @@
           </a:p>
         </p:txBody>
       </p:sp>
+      <p:sp>
+        <p:nvSpPr>
+          <p:cNvPr id="40" name="ZoneTexte 39"/>
+          <p:cNvSpPr txBox="1"/>
+          <p:nvPr/>
+        </p:nvSpPr>
+        <p:spPr>
+          <a:xfrm>
+            <a:off x="2812371" y="1876141"/>
+            <a:ext cx="504056" cy="261610"/>
+          </a:xfrm>
+          <a:prstGeom prst="rect">
+            <a:avLst/>
+          </a:prstGeom>
+          <a:noFill/>
+          <a:ln>
+            <a:noFill/>
+          </a:ln>
+        </p:spPr>
+        <p:txBody>
+          <a:bodyPr wrap="square" rtlCol="0">
+            <a:spAutoFit/>
+          </a:bodyPr>
+          <a:lstStyle/>
+          <a:p>
+            <a:r>
+              <a:rPr lang="fr-FR" sz="1100" dirty="0"/>
+              <a:t>O</a:t>
+            </a:r>
+            <a:endParaRPr lang="fr-FR" sz="1100" baseline="-25000" dirty="0"/>
+          </a:p>
+        </p:txBody>
+      </p:sp>
     </p:spTree>
     <p:extLst>
       <p:ext uri="{BB962C8B-B14F-4D97-AF65-F5344CB8AC3E}">
-        <p14:creationId xmlns="" xmlns:p14="http://schemas.microsoft.com/office/powerpoint/2010/main" val="2633434160"/>
+        <p14:creationId xmlns:p14="http://schemas.microsoft.com/office/powerpoint/2010/main" val="2633434160"/>
       </p:ext>
     </p:extLst>
   </p:cSld>
@@ -6089,7 +6124,7 @@
         <p:spPr>
           <a:xfrm>
             <a:off x="2051700" y="1700808"/>
-            <a:ext cx="504056" cy="205184"/>
+            <a:ext cx="504056" cy="261610"/>
           </a:xfrm>
           <a:prstGeom prst="rect">
             <a:avLst/>
@@ -6104,10 +6139,10 @@
           <a:p>
             <a:pPr algn="ctr"/>
             <a:r>
-              <a:rPr lang="fr-FR" sz="1100" baseline="-25000" dirty="0" smtClean="0"/>
+              <a:rPr lang="fr-FR" sz="1100" dirty="0" smtClean="0"/>
               <a:t>R</a:t>
             </a:r>
-            <a:endParaRPr lang="fr-FR" sz="1100" baseline="-25000" dirty="0"/>
+            <a:endParaRPr lang="fr-FR" sz="1100" dirty="0"/>
           </a:p>
         </p:txBody>
       </p:sp>
@@ -6120,7 +6155,7 @@
         <p:spPr>
           <a:xfrm>
             <a:off x="2051700" y="2204864"/>
-            <a:ext cx="504056" cy="205184"/>
+            <a:ext cx="504056" cy="261610"/>
           </a:xfrm>
           <a:prstGeom prst="rect">
             <a:avLst/>
@@ -6135,10 +6170,10 @@
           <a:p>
             <a:pPr algn="ctr"/>
             <a:r>
-              <a:rPr lang="fr-FR" sz="1100" baseline="-25000" dirty="0" smtClean="0"/>
+              <a:rPr lang="fr-FR" sz="1100" dirty="0" smtClean="0"/>
               <a:t>R</a:t>
             </a:r>
-            <a:endParaRPr lang="fr-FR" sz="1100" baseline="-25000" dirty="0"/>
+            <a:endParaRPr lang="fr-FR" sz="1100" dirty="0"/>
           </a:p>
         </p:txBody>
       </p:sp>
@@ -6420,7 +6455,7 @@
           <a:noFill/>
           <a:ln w="12700">
             <a:solidFill>
-              <a:srgbClr val="0070C0"/>
+              <a:srgbClr val="7030A0"/>
             </a:solidFill>
           </a:ln>
         </p:spPr>
@@ -6458,7 +6493,7 @@
           <a:noFill/>
           <a:ln w="12700">
             <a:solidFill>
-              <a:srgbClr val="0070C0"/>
+              <a:srgbClr val="7030A0"/>
             </a:solidFill>
             <a:tailEnd type="stealth" w="sm" len="med"/>
           </a:ln>
@@ -6497,7 +6532,7 @@
           <a:noFill/>
           <a:ln w="12700">
             <a:solidFill>
-              <a:srgbClr val="0070C0"/>
+              <a:srgbClr val="7030A0"/>
             </a:solidFill>
           </a:ln>
         </p:spPr>
@@ -6533,10 +6568,12 @@
             <a:avLst/>
           </a:prstGeom>
           <a:solidFill>
-            <a:srgbClr val="0070C0"/>
+            <a:srgbClr val="7030A0"/>
           </a:solidFill>
           <a:ln>
-            <a:noFill/>
+            <a:solidFill>
+              <a:srgbClr val="7030A0"/>
+            </a:solidFill>
           </a:ln>
         </p:spPr>
         <p:style>
@@ -7912,7 +7949,7 @@
         </p:nvSpPr>
         <p:spPr>
           <a:xfrm>
-            <a:off x="6156176" y="1911299"/>
+            <a:off x="6029396" y="1924031"/>
             <a:ext cx="504056" cy="261610"/>
           </a:xfrm>
           <a:prstGeom prst="rect">
@@ -7987,14 +8024,14 @@
       </p:sp>
       <p:sp>
         <p:nvSpPr>
-          <p:cNvPr id="66" name="Rectangle 65"/>
+          <p:cNvPr id="67" name="Rectangle 66"/>
           <p:cNvSpPr/>
           <p:nvPr/>
         </p:nvSpPr>
         <p:spPr>
           <a:xfrm rot="5400000">
-            <a:off x="2328920" y="1445572"/>
-            <a:ext cx="499394" cy="1773945"/>
+            <a:off x="4147369" y="1765144"/>
+            <a:ext cx="1449932" cy="672718"/>
           </a:xfrm>
           <a:prstGeom prst="rect">
             <a:avLst/>
@@ -8002,7 +8039,7 @@
           <a:noFill/>
           <a:ln w="6350">
             <a:solidFill>
-              <a:srgbClr val="00B050"/>
+              <a:srgbClr val="7030A0"/>
             </a:solidFill>
             <a:prstDash val="dash"/>
           </a:ln>
@@ -8034,14 +8071,14 @@
       </p:sp>
       <p:sp>
         <p:nvSpPr>
-          <p:cNvPr id="67" name="Rectangle 66"/>
+          <p:cNvPr id="68" name="Rectangle 67"/>
           <p:cNvSpPr/>
           <p:nvPr/>
         </p:nvSpPr>
         <p:spPr>
           <a:xfrm rot="5400000">
-            <a:off x="4147369" y="1765144"/>
-            <a:ext cx="1449932" cy="672718"/>
+            <a:off x="4811042" y="1824117"/>
+            <a:ext cx="1447368" cy="557339"/>
           </a:xfrm>
           <a:prstGeom prst="rect">
             <a:avLst/>
@@ -8049,7 +8086,7 @@
           <a:noFill/>
           <a:ln w="6350">
             <a:solidFill>
-              <a:srgbClr val="7030A0"/>
+              <a:srgbClr val="00B050"/>
             </a:solidFill>
             <a:prstDash val="dash"/>
           </a:ln>
@@ -8081,53 +8118,6 @@
       </p:sp>
       <p:sp>
         <p:nvSpPr>
-          <p:cNvPr id="68" name="Rectangle 67"/>
-          <p:cNvSpPr/>
-          <p:nvPr/>
-        </p:nvSpPr>
-        <p:spPr>
-          <a:xfrm rot="5400000">
-            <a:off x="4811042" y="1824117"/>
-            <a:ext cx="1447368" cy="557339"/>
-          </a:xfrm>
-          <a:prstGeom prst="rect">
-            <a:avLst/>
-          </a:prstGeom>
-          <a:noFill/>
-          <a:ln w="6350">
-            <a:solidFill>
-              <a:srgbClr val="00B050"/>
-            </a:solidFill>
-            <a:prstDash val="dash"/>
-          </a:ln>
-        </p:spPr>
-        <p:style>
-          <a:lnRef idx="2">
-            <a:schemeClr val="accent1">
-              <a:shade val="50000"/>
-            </a:schemeClr>
-          </a:lnRef>
-          <a:fillRef idx="1">
-            <a:schemeClr val="accent1"/>
-          </a:fillRef>
-          <a:effectRef idx="0">
-            <a:schemeClr val="accent1"/>
-          </a:effectRef>
-          <a:fontRef idx="minor">
-            <a:schemeClr val="lt1"/>
-          </a:fontRef>
-        </p:style>
-        <p:txBody>
-          <a:bodyPr rtlCol="0" anchor="ctr"/>
-          <a:lstStyle/>
-          <a:p>
-            <a:pPr algn="ctr"/>
-            <a:endParaRPr lang="fr-FR"/>
-          </a:p>
-        </p:txBody>
-      </p:sp>
-      <p:sp>
-        <p:nvSpPr>
           <p:cNvPr id="69" name="Arc 68"/>
           <p:cNvSpPr/>
           <p:nvPr/>
@@ -8181,8 +8171,8 @@
         </p:nvSpPr>
         <p:spPr>
           <a:xfrm flipV="1">
-            <a:off x="3073798" y="2024304"/>
-            <a:ext cx="2596314" cy="1044656"/>
+            <a:off x="3073798" y="2024303"/>
+            <a:ext cx="2596314" cy="1048315"/>
           </a:xfrm>
           <a:prstGeom prst="arc">
             <a:avLst>
@@ -8294,10 +8284,10 @@
         </p:nvGrpSpPr>
         <p:grpSpPr>
           <a:xfrm>
-            <a:off x="6804248" y="1196275"/>
-            <a:ext cx="2214256" cy="1815295"/>
-            <a:chOff x="1205616" y="719118"/>
-            <a:chExt cx="2214256" cy="1815295"/>
+            <a:off x="6804248" y="1215565"/>
+            <a:ext cx="2214256" cy="1796005"/>
+            <a:chOff x="1205616" y="738408"/>
+            <a:chExt cx="2214256" cy="1796005"/>
           </a:xfrm>
         </p:grpSpPr>
         <p:cxnSp>
@@ -8386,52 +8376,6 @@
         </p:sp>
         <p:sp>
           <p:nvSpPr>
-            <p:cNvPr id="76" name="Rectangle 75"/>
-            <p:cNvSpPr/>
-            <p:nvPr/>
-          </p:nvSpPr>
-          <p:spPr>
-            <a:xfrm>
-              <a:off x="2339752" y="1268760"/>
-              <a:ext cx="180000" cy="360000"/>
-            </a:xfrm>
-            <a:prstGeom prst="rect">
-              <a:avLst/>
-            </a:prstGeom>
-            <a:noFill/>
-            <a:ln w="12700">
-              <a:solidFill>
-                <a:srgbClr val="0070C0"/>
-              </a:solidFill>
-            </a:ln>
-          </p:spPr>
-          <p:style>
-            <a:lnRef idx="2">
-              <a:schemeClr val="accent1">
-                <a:shade val="50000"/>
-              </a:schemeClr>
-            </a:lnRef>
-            <a:fillRef idx="1">
-              <a:schemeClr val="accent1"/>
-            </a:fillRef>
-            <a:effectRef idx="0">
-              <a:schemeClr val="accent1"/>
-            </a:effectRef>
-            <a:fontRef idx="minor">
-              <a:schemeClr val="lt1"/>
-            </a:fontRef>
-          </p:style>
-          <p:txBody>
-            <a:bodyPr rtlCol="0" anchor="ctr"/>
-            <a:lstStyle/>
-            <a:p>
-              <a:pPr algn="ctr"/>
-              <a:endParaRPr lang="fr-FR"/>
-            </a:p>
-          </p:txBody>
-        </p:sp>
-        <p:sp>
-          <p:nvSpPr>
             <p:cNvPr id="77" name="Ellipse 76"/>
             <p:cNvSpPr/>
             <p:nvPr/>
@@ -8439,52 +8383,6 @@
           <p:spPr>
             <a:xfrm>
               <a:off x="1574652" y="1772816"/>
-              <a:ext cx="270040" cy="270040"/>
-            </a:xfrm>
-            <a:prstGeom prst="ellipse">
-              <a:avLst/>
-            </a:prstGeom>
-            <a:noFill/>
-            <a:ln w="12700">
-              <a:solidFill>
-                <a:srgbClr val="0070C0"/>
-              </a:solidFill>
-            </a:ln>
-          </p:spPr>
-          <p:style>
-            <a:lnRef idx="2">
-              <a:schemeClr val="accent1">
-                <a:shade val="50000"/>
-              </a:schemeClr>
-            </a:lnRef>
-            <a:fillRef idx="1">
-              <a:schemeClr val="accent1"/>
-            </a:fillRef>
-            <a:effectRef idx="0">
-              <a:schemeClr val="accent1"/>
-            </a:effectRef>
-            <a:fontRef idx="minor">
-              <a:schemeClr val="lt1"/>
-            </a:fontRef>
-          </p:style>
-          <p:txBody>
-            <a:bodyPr rtlCol="0" anchor="ctr"/>
-            <a:lstStyle/>
-            <a:p>
-              <a:pPr algn="ctr"/>
-              <a:endParaRPr lang="fr-FR"/>
-            </a:p>
-          </p:txBody>
-        </p:sp>
-        <p:sp>
-          <p:nvSpPr>
-            <p:cNvPr id="78" name="Ellipse 77"/>
-            <p:cNvSpPr/>
-            <p:nvPr/>
-          </p:nvSpPr>
-          <p:spPr>
-            <a:xfrm>
-              <a:off x="2294732" y="1772816"/>
               <a:ext cx="270040" cy="270040"/>
             </a:xfrm>
             <a:prstGeom prst="ellipse">
@@ -8533,44 +8431,6 @@
           <p:spPr>
             <a:xfrm flipV="1">
               <a:off x="1709672" y="1628760"/>
-              <a:ext cx="0" cy="666848"/>
-            </a:xfrm>
-            <a:prstGeom prst="line">
-              <a:avLst/>
-            </a:prstGeom>
-            <a:noFill/>
-            <a:ln w="12700">
-              <a:solidFill>
-                <a:srgbClr val="0070C0"/>
-              </a:solidFill>
-            </a:ln>
-          </p:spPr>
-          <p:style>
-            <a:lnRef idx="2">
-              <a:schemeClr val="accent1">
-                <a:shade val="50000"/>
-              </a:schemeClr>
-            </a:lnRef>
-            <a:fillRef idx="1">
-              <a:schemeClr val="accent1"/>
-            </a:fillRef>
-            <a:effectRef idx="0">
-              <a:schemeClr val="accent1"/>
-            </a:effectRef>
-            <a:fontRef idx="minor">
-              <a:schemeClr val="lt1"/>
-            </a:fontRef>
-          </p:style>
-        </p:cxnSp>
-        <p:cxnSp>
-          <p:nvCxnSpPr>
-            <p:cNvPr id="80" name="Connecteur droit 79"/>
-            <p:cNvCxnSpPr/>
-            <p:nvPr/>
-          </p:nvCxnSpPr>
-          <p:spPr>
-            <a:xfrm flipV="1">
-              <a:off x="2429752" y="1628760"/>
               <a:ext cx="0" cy="666848"/>
             </a:xfrm>
             <a:prstGeom prst="line">
@@ -8720,46 +8580,6 @@
         </p:cxnSp>
         <p:cxnSp>
           <p:nvCxnSpPr>
-            <p:cNvPr id="84" name="Connecteur droit 83"/>
-            <p:cNvCxnSpPr>
-              <a:stCxn id="76" idx="0"/>
-            </p:cNvCxnSpPr>
-            <p:nvPr/>
-          </p:nvCxnSpPr>
-          <p:spPr>
-            <a:xfrm flipV="1">
-              <a:off x="2429752" y="980728"/>
-              <a:ext cx="0" cy="288032"/>
-            </a:xfrm>
-            <a:prstGeom prst="line">
-              <a:avLst/>
-            </a:prstGeom>
-            <a:noFill/>
-            <a:ln w="12700">
-              <a:solidFill>
-                <a:srgbClr val="0070C0"/>
-              </a:solidFill>
-            </a:ln>
-          </p:spPr>
-          <p:style>
-            <a:lnRef idx="2">
-              <a:schemeClr val="accent1">
-                <a:shade val="50000"/>
-              </a:schemeClr>
-            </a:lnRef>
-            <a:fillRef idx="1">
-              <a:schemeClr val="accent1"/>
-            </a:fillRef>
-            <a:effectRef idx="0">
-              <a:schemeClr val="accent1"/>
-            </a:effectRef>
-            <a:fontRef idx="minor">
-              <a:schemeClr val="lt1"/>
-            </a:fontRef>
-          </p:style>
-        </p:cxnSp>
-        <p:cxnSp>
-          <p:nvCxnSpPr>
             <p:cNvPr id="85" name="Connecteur droit 84"/>
             <p:cNvCxnSpPr/>
             <p:nvPr/>
@@ -8767,45 +8587,6 @@
           <p:spPr>
             <a:xfrm flipH="1" flipV="1">
               <a:off x="1709672" y="1056928"/>
-              <a:ext cx="0" cy="135632"/>
-            </a:xfrm>
-            <a:prstGeom prst="line">
-              <a:avLst/>
-            </a:prstGeom>
-            <a:noFill/>
-            <a:ln w="12700">
-              <a:solidFill>
-                <a:srgbClr val="0070C0"/>
-              </a:solidFill>
-              <a:tailEnd type="triangle"/>
-            </a:ln>
-          </p:spPr>
-          <p:style>
-            <a:lnRef idx="2">
-              <a:schemeClr val="accent1">
-                <a:shade val="50000"/>
-              </a:schemeClr>
-            </a:lnRef>
-            <a:fillRef idx="1">
-              <a:schemeClr val="accent1"/>
-            </a:fillRef>
-            <a:effectRef idx="0">
-              <a:schemeClr val="accent1"/>
-            </a:effectRef>
-            <a:fontRef idx="minor">
-              <a:schemeClr val="lt1"/>
-            </a:fontRef>
-          </p:style>
-        </p:cxnSp>
-        <p:cxnSp>
-          <p:nvCxnSpPr>
-            <p:cNvPr id="86" name="Connecteur droit 85"/>
-            <p:cNvCxnSpPr/>
-            <p:nvPr/>
-          </p:nvCxnSpPr>
-          <p:spPr>
-            <a:xfrm flipH="1" flipV="1">
-              <a:off x="2429752" y="1056928"/>
               <a:ext cx="0" cy="135632"/>
             </a:xfrm>
             <a:prstGeom prst="line">
@@ -8875,45 +8656,6 @@
             </a:fontRef>
           </p:style>
         </p:cxnSp>
-        <p:cxnSp>
-          <p:nvCxnSpPr>
-            <p:cNvPr id="88" name="Connecteur droit 87"/>
-            <p:cNvCxnSpPr/>
-            <p:nvPr/>
-          </p:nvCxnSpPr>
-          <p:spPr>
-            <a:xfrm flipV="1">
-              <a:off x="2195736" y="1736812"/>
-              <a:ext cx="0" cy="342048"/>
-            </a:xfrm>
-            <a:prstGeom prst="line">
-              <a:avLst/>
-            </a:prstGeom>
-            <a:noFill/>
-            <a:ln w="12700">
-              <a:solidFill>
-                <a:srgbClr val="0070C0"/>
-              </a:solidFill>
-              <a:tailEnd type="stealth" w="med" len="lg"/>
-            </a:ln>
-          </p:spPr>
-          <p:style>
-            <a:lnRef idx="2">
-              <a:schemeClr val="accent1">
-                <a:shade val="50000"/>
-              </a:schemeClr>
-            </a:lnRef>
-            <a:fillRef idx="1">
-              <a:schemeClr val="accent1"/>
-            </a:fillRef>
-            <a:effectRef idx="0">
-              <a:schemeClr val="accent1"/>
-            </a:effectRef>
-            <a:fontRef idx="minor">
-              <a:schemeClr val="lt1"/>
-            </a:fontRef>
-          </p:style>
-        </p:cxnSp>
         <p:sp>
           <p:nvSpPr>
             <p:cNvPr id="89" name="ZoneTexte 88"/>
@@ -8937,46 +8679,12 @@
             <a:lstStyle/>
             <a:p>
               <a:r>
-                <a:rPr lang="fr-FR" sz="1100" dirty="0" smtClean="0"/>
+                <a:rPr lang="fr-FR" sz="1100" dirty="0" err="1" smtClean="0"/>
                 <a:t>E</a:t>
               </a:r>
               <a:r>
-                <a:rPr lang="fr-FR" sz="1100" baseline="-25000" dirty="0" smtClean="0"/>
-                <a:t>1</a:t>
-              </a:r>
-              <a:endParaRPr lang="fr-FR" sz="1100" baseline="-25000" dirty="0"/>
-            </a:p>
-          </p:txBody>
-        </p:sp>
-        <p:sp>
-          <p:nvSpPr>
-            <p:cNvPr id="90" name="ZoneTexte 89"/>
-            <p:cNvSpPr txBox="1"/>
-            <p:nvPr/>
-          </p:nvSpPr>
-          <p:spPr>
-            <a:xfrm>
-              <a:off x="1943708" y="1781246"/>
-              <a:ext cx="504056" cy="261610"/>
-            </a:xfrm>
-            <a:prstGeom prst="rect">
-              <a:avLst/>
-            </a:prstGeom>
-            <a:noFill/>
-          </p:spPr>
-          <p:txBody>
-            <a:bodyPr wrap="square" rtlCol="0">
-              <a:spAutoFit/>
-            </a:bodyPr>
-            <a:lstStyle/>
-            <a:p>
-              <a:r>
-                <a:rPr lang="fr-FR" sz="1100" dirty="0" smtClean="0"/>
-                <a:t>E</a:t>
-              </a:r>
-              <a:r>
-                <a:rPr lang="fr-FR" sz="1100" baseline="-25000" dirty="0" smtClean="0"/>
-                <a:t>2</a:t>
+                <a:rPr lang="fr-FR" sz="1100" baseline="-25000" dirty="0" err="1" smtClean="0"/>
+                <a:t>Th</a:t>
               </a:r>
               <a:endParaRPr lang="fr-FR" sz="1100" baseline="-25000" dirty="0"/>
             </a:p>
@@ -9005,46 +8713,12 @@
             <a:lstStyle/>
             <a:p>
               <a:r>
-                <a:rPr lang="fr-FR" sz="1100" dirty="0" smtClean="0"/>
+                <a:rPr lang="fr-FR" sz="1100" dirty="0" err="1" smtClean="0"/>
                 <a:t>R</a:t>
               </a:r>
               <a:r>
-                <a:rPr lang="fr-FR" sz="1100" baseline="-25000" dirty="0" smtClean="0"/>
-                <a:t>1</a:t>
-              </a:r>
-              <a:endParaRPr lang="fr-FR" sz="1100" baseline="-25000" dirty="0"/>
-            </a:p>
-          </p:txBody>
-        </p:sp>
-        <p:sp>
-          <p:nvSpPr>
-            <p:cNvPr id="92" name="ZoneTexte 91"/>
-            <p:cNvSpPr txBox="1"/>
-            <p:nvPr/>
-          </p:nvSpPr>
-          <p:spPr>
-            <a:xfrm>
-              <a:off x="2015696" y="1318749"/>
-              <a:ext cx="504056" cy="261610"/>
-            </a:xfrm>
-            <a:prstGeom prst="rect">
-              <a:avLst/>
-            </a:prstGeom>
-            <a:noFill/>
-          </p:spPr>
-          <p:txBody>
-            <a:bodyPr wrap="square" rtlCol="0">
-              <a:spAutoFit/>
-            </a:bodyPr>
-            <a:lstStyle/>
-            <a:p>
-              <a:r>
-                <a:rPr lang="fr-FR" sz="1100" dirty="0" smtClean="0"/>
-                <a:t>R</a:t>
-              </a:r>
-              <a:r>
-                <a:rPr lang="fr-FR" sz="1100" baseline="-25000" dirty="0" smtClean="0"/>
-                <a:t>2</a:t>
+                <a:rPr lang="fr-FR" sz="1100" baseline="-25000" dirty="0" err="1" smtClean="0"/>
+                <a:t>Th</a:t>
               </a:r>
               <a:endParaRPr lang="fr-FR" sz="1100" baseline="-25000" dirty="0"/>
             </a:p>
@@ -9150,7 +8824,7 @@
           </p:nvSpPr>
           <p:spPr>
             <a:xfrm>
-              <a:off x="2545871" y="719118"/>
+              <a:off x="2549244" y="738408"/>
               <a:ext cx="504056" cy="261610"/>
             </a:xfrm>
             <a:prstGeom prst="rect">
@@ -9365,10 +9039,417 @@
           </p:txBody>
         </p:sp>
       </p:grpSp>
+      <p:cxnSp>
+        <p:nvCxnSpPr>
+          <p:cNvPr id="101" name="Connecteur droit 100"/>
+          <p:cNvCxnSpPr/>
+          <p:nvPr/>
+        </p:nvCxnSpPr>
+        <p:spPr>
+          <a:xfrm flipH="1" flipV="1">
+            <a:off x="1691680" y="2096852"/>
+            <a:ext cx="20" cy="511136"/>
+          </a:xfrm>
+          <a:prstGeom prst="line">
+            <a:avLst/>
+          </a:prstGeom>
+          <a:noFill/>
+          <a:ln w="6350">
+            <a:solidFill>
+              <a:srgbClr val="00B050"/>
+            </a:solidFill>
+            <a:prstDash val="dash"/>
+          </a:ln>
+        </p:spPr>
+        <p:style>
+          <a:lnRef idx="2">
+            <a:schemeClr val="accent1">
+              <a:shade val="50000"/>
+            </a:schemeClr>
+          </a:lnRef>
+          <a:fillRef idx="1">
+            <a:schemeClr val="accent1"/>
+          </a:fillRef>
+          <a:effectRef idx="0">
+            <a:schemeClr val="accent1"/>
+          </a:effectRef>
+          <a:fontRef idx="minor">
+            <a:schemeClr val="lt1"/>
+          </a:fontRef>
+        </p:style>
+      </p:cxnSp>
+      <p:cxnSp>
+        <p:nvCxnSpPr>
+          <p:cNvPr id="102" name="Connecteur droit 101"/>
+          <p:cNvCxnSpPr/>
+          <p:nvPr/>
+        </p:nvCxnSpPr>
+        <p:spPr>
+          <a:xfrm flipH="1">
+            <a:off x="1691700" y="2096284"/>
+            <a:ext cx="1610174" cy="0"/>
+          </a:xfrm>
+          <a:prstGeom prst="line">
+            <a:avLst/>
+          </a:prstGeom>
+          <a:noFill/>
+          <a:ln w="6350">
+            <a:solidFill>
+              <a:srgbClr val="00B050"/>
+            </a:solidFill>
+            <a:prstDash val="dash"/>
+          </a:ln>
+        </p:spPr>
+        <p:style>
+          <a:lnRef idx="2">
+            <a:schemeClr val="accent1">
+              <a:shade val="50000"/>
+            </a:schemeClr>
+          </a:lnRef>
+          <a:fillRef idx="1">
+            <a:schemeClr val="accent1"/>
+          </a:fillRef>
+          <a:effectRef idx="0">
+            <a:schemeClr val="accent1"/>
+          </a:effectRef>
+          <a:fontRef idx="minor">
+            <a:schemeClr val="lt1"/>
+          </a:fontRef>
+        </p:style>
+      </p:cxnSp>
+      <p:cxnSp>
+        <p:nvCxnSpPr>
+          <p:cNvPr id="103" name="Connecteur droit 102"/>
+          <p:cNvCxnSpPr/>
+          <p:nvPr/>
+        </p:nvCxnSpPr>
+        <p:spPr>
+          <a:xfrm flipV="1">
+            <a:off x="3301874" y="1641806"/>
+            <a:ext cx="0" cy="455047"/>
+          </a:xfrm>
+          <a:prstGeom prst="line">
+            <a:avLst/>
+          </a:prstGeom>
+          <a:noFill/>
+          <a:ln w="6350">
+            <a:solidFill>
+              <a:srgbClr val="00B050"/>
+            </a:solidFill>
+            <a:prstDash val="dash"/>
+          </a:ln>
+        </p:spPr>
+        <p:style>
+          <a:lnRef idx="2">
+            <a:schemeClr val="accent1">
+              <a:shade val="50000"/>
+            </a:schemeClr>
+          </a:lnRef>
+          <a:fillRef idx="1">
+            <a:schemeClr val="accent1"/>
+          </a:fillRef>
+          <a:effectRef idx="0">
+            <a:schemeClr val="accent1"/>
+          </a:effectRef>
+          <a:fontRef idx="minor">
+            <a:schemeClr val="lt1"/>
+          </a:fontRef>
+        </p:style>
+      </p:cxnSp>
+      <p:cxnSp>
+        <p:nvCxnSpPr>
+          <p:cNvPr id="105" name="Connecteur droit 104"/>
+          <p:cNvCxnSpPr/>
+          <p:nvPr/>
+        </p:nvCxnSpPr>
+        <p:spPr>
+          <a:xfrm flipH="1" flipV="1">
+            <a:off x="1691680" y="2607988"/>
+            <a:ext cx="1788383" cy="5929"/>
+          </a:xfrm>
+          <a:prstGeom prst="line">
+            <a:avLst/>
+          </a:prstGeom>
+          <a:noFill/>
+          <a:ln w="6350">
+            <a:solidFill>
+              <a:srgbClr val="00B050"/>
+            </a:solidFill>
+            <a:prstDash val="dash"/>
+          </a:ln>
+        </p:spPr>
+        <p:style>
+          <a:lnRef idx="2">
+            <a:schemeClr val="accent1">
+              <a:shade val="50000"/>
+            </a:schemeClr>
+          </a:lnRef>
+          <a:fillRef idx="1">
+            <a:schemeClr val="accent1"/>
+          </a:fillRef>
+          <a:effectRef idx="0">
+            <a:schemeClr val="accent1"/>
+          </a:effectRef>
+          <a:fontRef idx="minor">
+            <a:schemeClr val="lt1"/>
+          </a:fontRef>
+        </p:style>
+      </p:cxnSp>
+      <p:cxnSp>
+        <p:nvCxnSpPr>
+          <p:cNvPr id="107" name="Connecteur droit 106"/>
+          <p:cNvCxnSpPr/>
+          <p:nvPr/>
+        </p:nvCxnSpPr>
+        <p:spPr>
+          <a:xfrm flipV="1">
+            <a:off x="3480063" y="1628800"/>
+            <a:ext cx="0" cy="985118"/>
+          </a:xfrm>
+          <a:prstGeom prst="line">
+            <a:avLst/>
+          </a:prstGeom>
+          <a:noFill/>
+          <a:ln w="6350">
+            <a:solidFill>
+              <a:srgbClr val="00B050"/>
+            </a:solidFill>
+            <a:prstDash val="dash"/>
+          </a:ln>
+        </p:spPr>
+        <p:style>
+          <a:lnRef idx="2">
+            <a:schemeClr val="accent1">
+              <a:shade val="50000"/>
+            </a:schemeClr>
+          </a:lnRef>
+          <a:fillRef idx="1">
+            <a:schemeClr val="accent1"/>
+          </a:fillRef>
+          <a:effectRef idx="0">
+            <a:schemeClr val="accent1"/>
+          </a:effectRef>
+          <a:fontRef idx="minor">
+            <a:schemeClr val="lt1"/>
+          </a:fontRef>
+        </p:style>
+      </p:cxnSp>
+      <p:cxnSp>
+        <p:nvCxnSpPr>
+          <p:cNvPr id="110" name="Connecteur droit 109"/>
+          <p:cNvCxnSpPr/>
+          <p:nvPr/>
+        </p:nvCxnSpPr>
+        <p:spPr>
+          <a:xfrm flipH="1">
+            <a:off x="3301875" y="1636366"/>
+            <a:ext cx="178188" cy="5440"/>
+          </a:xfrm>
+          <a:prstGeom prst="line">
+            <a:avLst/>
+          </a:prstGeom>
+          <a:noFill/>
+          <a:ln w="6350">
+            <a:solidFill>
+              <a:srgbClr val="00B050"/>
+            </a:solidFill>
+            <a:prstDash val="dash"/>
+          </a:ln>
+        </p:spPr>
+        <p:style>
+          <a:lnRef idx="2">
+            <a:schemeClr val="accent1">
+              <a:shade val="50000"/>
+            </a:schemeClr>
+          </a:lnRef>
+          <a:fillRef idx="1">
+            <a:schemeClr val="accent1"/>
+          </a:fillRef>
+          <a:effectRef idx="0">
+            <a:schemeClr val="accent1"/>
+          </a:effectRef>
+          <a:fontRef idx="minor">
+            <a:schemeClr val="lt1"/>
+          </a:fontRef>
+        </p:style>
+      </p:cxnSp>
+      <p:cxnSp>
+        <p:nvCxnSpPr>
+          <p:cNvPr id="114" name="Connecteur droit 113"/>
+          <p:cNvCxnSpPr/>
+          <p:nvPr/>
+        </p:nvCxnSpPr>
+        <p:spPr>
+          <a:xfrm>
+            <a:off x="6309188" y="2072626"/>
+            <a:ext cx="513961" cy="0"/>
+          </a:xfrm>
+          <a:prstGeom prst="line">
+            <a:avLst/>
+          </a:prstGeom>
+          <a:noFill/>
+          <a:ln w="38100" cmpd="dbl">
+            <a:solidFill>
+              <a:srgbClr val="0070C0"/>
+            </a:solidFill>
+            <a:tailEnd type="stealth" w="med" len="lg"/>
+          </a:ln>
+        </p:spPr>
+        <p:style>
+          <a:lnRef idx="2">
+            <a:schemeClr val="accent1">
+              <a:shade val="50000"/>
+            </a:schemeClr>
+          </a:lnRef>
+          <a:fillRef idx="1">
+            <a:schemeClr val="accent1"/>
+          </a:fillRef>
+          <a:effectRef idx="0">
+            <a:schemeClr val="accent1"/>
+          </a:effectRef>
+          <a:fontRef idx="minor">
+            <a:schemeClr val="lt1"/>
+          </a:fontRef>
+        </p:style>
+      </p:cxnSp>
+      <p:sp>
+        <p:nvSpPr>
+          <p:cNvPr id="117" name="ZoneTexte 116"/>
+          <p:cNvSpPr txBox="1"/>
+          <p:nvPr/>
+        </p:nvSpPr>
+        <p:spPr>
+          <a:xfrm>
+            <a:off x="2428860" y="1714488"/>
+            <a:ext cx="504056" cy="261610"/>
+          </a:xfrm>
+          <a:prstGeom prst="rect">
+            <a:avLst/>
+          </a:prstGeom>
+          <a:noFill/>
+          <a:ln>
+            <a:noFill/>
+          </a:ln>
+        </p:spPr>
+        <p:txBody>
+          <a:bodyPr wrap="square" rtlCol="0">
+            <a:spAutoFit/>
+          </a:bodyPr>
+          <a:lstStyle/>
+          <a:p>
+            <a:r>
+              <a:rPr lang="fr-FR" sz="1100" dirty="0" smtClean="0"/>
+              <a:t>C</a:t>
+            </a:r>
+            <a:endParaRPr lang="fr-FR" sz="1100" baseline="-25000" dirty="0"/>
+          </a:p>
+        </p:txBody>
+      </p:sp>
+      <p:sp>
+        <p:nvSpPr>
+          <p:cNvPr id="118" name="ZoneTexte 117"/>
+          <p:cNvSpPr txBox="1"/>
+          <p:nvPr/>
+        </p:nvSpPr>
+        <p:spPr>
+          <a:xfrm>
+            <a:off x="2438379" y="2143116"/>
+            <a:ext cx="504056" cy="261610"/>
+          </a:xfrm>
+          <a:prstGeom prst="rect">
+            <a:avLst/>
+          </a:prstGeom>
+          <a:noFill/>
+          <a:ln>
+            <a:noFill/>
+          </a:ln>
+        </p:spPr>
+        <p:txBody>
+          <a:bodyPr wrap="square" rtlCol="0">
+            <a:spAutoFit/>
+          </a:bodyPr>
+          <a:lstStyle/>
+          <a:p>
+            <a:r>
+              <a:rPr lang="fr-FR" sz="1100" dirty="0" smtClean="0"/>
+              <a:t>A</a:t>
+            </a:r>
+            <a:endParaRPr lang="fr-FR" sz="1100" baseline="-25000" dirty="0"/>
+          </a:p>
+        </p:txBody>
+      </p:sp>
+      <p:sp>
+        <p:nvSpPr>
+          <p:cNvPr id="119" name="ZoneTexte 118"/>
+          <p:cNvSpPr txBox="1"/>
+          <p:nvPr/>
+        </p:nvSpPr>
+        <p:spPr>
+          <a:xfrm>
+            <a:off x="7056457" y="3068960"/>
+            <a:ext cx="1692007" cy="261610"/>
+          </a:xfrm>
+          <a:prstGeom prst="rect">
+            <a:avLst/>
+          </a:prstGeom>
+          <a:noFill/>
+        </p:spPr>
+        <p:txBody>
+          <a:bodyPr wrap="square" rtlCol="0">
+            <a:spAutoFit/>
+          </a:bodyPr>
+          <a:lstStyle/>
+          <a:p>
+            <a:pPr algn="ctr"/>
+            <a:r>
+              <a:rPr lang="fr-FR" sz="1100" dirty="0" smtClean="0"/>
+              <a:t>Modélisation de </a:t>
+            </a:r>
+            <a:r>
+              <a:rPr lang="fr-FR" sz="1100" dirty="0" err="1" smtClean="0"/>
+              <a:t>Thévenin</a:t>
+            </a:r>
+            <a:endParaRPr lang="fr-FR" sz="1100" baseline="-25000" dirty="0"/>
+          </a:p>
+        </p:txBody>
+      </p:sp>
+      <p:sp>
+        <p:nvSpPr>
+          <p:cNvPr id="120" name="ZoneTexte 119"/>
+          <p:cNvSpPr txBox="1"/>
+          <p:nvPr/>
+        </p:nvSpPr>
+        <p:spPr>
+          <a:xfrm>
+            <a:off x="2812371" y="1876141"/>
+            <a:ext cx="504056" cy="261610"/>
+          </a:xfrm>
+          <a:prstGeom prst="rect">
+            <a:avLst/>
+          </a:prstGeom>
+          <a:noFill/>
+          <a:ln>
+            <a:noFill/>
+          </a:ln>
+        </p:spPr>
+        <p:txBody>
+          <a:bodyPr wrap="square" rtlCol="0">
+            <a:spAutoFit/>
+          </a:bodyPr>
+          <a:lstStyle/>
+          <a:p>
+            <a:r>
+              <a:rPr lang="fr-FR" sz="1100" dirty="0"/>
+              <a:t>O</a:t>
+            </a:r>
+            <a:endParaRPr lang="fr-FR" sz="1100" baseline="-25000" dirty="0"/>
+          </a:p>
+        </p:txBody>
+      </p:sp>
     </p:spTree>
     <p:extLst>
       <p:ext uri="{BB962C8B-B14F-4D97-AF65-F5344CB8AC3E}">
-        <p14:creationId xmlns="" xmlns:p14="http://schemas.microsoft.com/office/powerpoint/2010/main" val="1769286779"/>
+        <p14:creationId xmlns:p14="http://schemas.microsoft.com/office/powerpoint/2010/main" val="1769286779"/>
       </p:ext>
     </p:extLst>
   </p:cSld>

--- a/01_DipolesSources/TD_01_Girouette_Potentiometre/images/Figures.pptx
+++ b/01_DipolesSources/TD_01_Girouette_Potentiometre/images/Figures.pptx
@@ -8,6 +8,7 @@
     <p:sldId id="256" r:id="rId2"/>
     <p:sldId id="257" r:id="rId3"/>
     <p:sldId id="258" r:id="rId4"/>
+    <p:sldId id="259" r:id="rId5"/>
   </p:sldIdLst>
   <p:sldSz cx="9144000" cy="6858000" type="screen4x3"/>
   <p:notesSz cx="6858000" cy="9144000"/>
@@ -291,7 +292,7 @@
             <a:fld id="{47C414CA-3B1E-4C42-B862-7A4C61ED653A}" type="datetimeFigureOut">
               <a:rPr lang="fr-FR" smtClean="0"/>
               <a:pPr/>
-              <a:t>24/09/2014</a:t>
+              <a:t>02/10/2014</a:t>
             </a:fld>
             <a:endParaRPr lang="fr-FR"/>
           </a:p>
@@ -463,7 +464,7 @@
             <a:fld id="{47C414CA-3B1E-4C42-B862-7A4C61ED653A}" type="datetimeFigureOut">
               <a:rPr lang="fr-FR" smtClean="0"/>
               <a:pPr/>
-              <a:t>24/09/2014</a:t>
+              <a:t>02/10/2014</a:t>
             </a:fld>
             <a:endParaRPr lang="fr-FR"/>
           </a:p>
@@ -645,7 +646,7 @@
             <a:fld id="{47C414CA-3B1E-4C42-B862-7A4C61ED653A}" type="datetimeFigureOut">
               <a:rPr lang="fr-FR" smtClean="0"/>
               <a:pPr/>
-              <a:t>24/09/2014</a:t>
+              <a:t>02/10/2014</a:t>
             </a:fld>
             <a:endParaRPr lang="fr-FR"/>
           </a:p>
@@ -817,7 +818,7 @@
             <a:fld id="{47C414CA-3B1E-4C42-B862-7A4C61ED653A}" type="datetimeFigureOut">
               <a:rPr lang="fr-FR" smtClean="0"/>
               <a:pPr/>
-              <a:t>24/09/2014</a:t>
+              <a:t>02/10/2014</a:t>
             </a:fld>
             <a:endParaRPr lang="fr-FR"/>
           </a:p>
@@ -1065,7 +1066,7 @@
             <a:fld id="{47C414CA-3B1E-4C42-B862-7A4C61ED653A}" type="datetimeFigureOut">
               <a:rPr lang="fr-FR" smtClean="0"/>
               <a:pPr/>
-              <a:t>24/09/2014</a:t>
+              <a:t>02/10/2014</a:t>
             </a:fld>
             <a:endParaRPr lang="fr-FR"/>
           </a:p>
@@ -1355,7 +1356,7 @@
             <a:fld id="{47C414CA-3B1E-4C42-B862-7A4C61ED653A}" type="datetimeFigureOut">
               <a:rPr lang="fr-FR" smtClean="0"/>
               <a:pPr/>
-              <a:t>24/09/2014</a:t>
+              <a:t>02/10/2014</a:t>
             </a:fld>
             <a:endParaRPr lang="fr-FR"/>
           </a:p>
@@ -1779,7 +1780,7 @@
             <a:fld id="{47C414CA-3B1E-4C42-B862-7A4C61ED653A}" type="datetimeFigureOut">
               <a:rPr lang="fr-FR" smtClean="0"/>
               <a:pPr/>
-              <a:t>24/09/2014</a:t>
+              <a:t>02/10/2014</a:t>
             </a:fld>
             <a:endParaRPr lang="fr-FR"/>
           </a:p>
@@ -1899,7 +1900,7 @@
             <a:fld id="{47C414CA-3B1E-4C42-B862-7A4C61ED653A}" type="datetimeFigureOut">
               <a:rPr lang="fr-FR" smtClean="0"/>
               <a:pPr/>
-              <a:t>24/09/2014</a:t>
+              <a:t>02/10/2014</a:t>
             </a:fld>
             <a:endParaRPr lang="fr-FR"/>
           </a:p>
@@ -1996,7 +1997,7 @@
             <a:fld id="{47C414CA-3B1E-4C42-B862-7A4C61ED653A}" type="datetimeFigureOut">
               <a:rPr lang="fr-FR" smtClean="0"/>
               <a:pPr/>
-              <a:t>24/09/2014</a:t>
+              <a:t>02/10/2014</a:t>
             </a:fld>
             <a:endParaRPr lang="fr-FR"/>
           </a:p>
@@ -2275,7 +2276,7 @@
             <a:fld id="{47C414CA-3B1E-4C42-B862-7A4C61ED653A}" type="datetimeFigureOut">
               <a:rPr lang="fr-FR" smtClean="0"/>
               <a:pPr/>
-              <a:t>24/09/2014</a:t>
+              <a:t>02/10/2014</a:t>
             </a:fld>
             <a:endParaRPr lang="fr-FR"/>
           </a:p>
@@ -2530,7 +2531,7 @@
             <a:fld id="{47C414CA-3B1E-4C42-B862-7A4C61ED653A}" type="datetimeFigureOut">
               <a:rPr lang="fr-FR" smtClean="0"/>
               <a:pPr/>
-              <a:t>24/09/2014</a:t>
+              <a:t>02/10/2014</a:t>
             </a:fld>
             <a:endParaRPr lang="fr-FR"/>
           </a:p>
@@ -2745,7 +2746,7 @@
             <a:fld id="{47C414CA-3B1E-4C42-B862-7A4C61ED653A}" type="datetimeFigureOut">
               <a:rPr lang="fr-FR" smtClean="0"/>
               <a:pPr/>
-              <a:t>24/09/2014</a:t>
+              <a:t>02/10/2014</a:t>
             </a:fld>
             <a:endParaRPr lang="fr-FR"/>
           </a:p>
@@ -9459,6 +9460,242 @@
 </p:sld>
 </file>
 
+<file path=ppt/slides/slide4.xml><?xml version="1.0" encoding="utf-8"?>
+<p:sld xmlns:a="http://schemas.openxmlformats.org/drawingml/2006/main" xmlns:r="http://schemas.openxmlformats.org/officeDocument/2006/relationships" xmlns:p="http://schemas.openxmlformats.org/presentationml/2006/main">
+  <p:cSld>
+    <p:spTree>
+      <p:nvGrpSpPr>
+        <p:cNvPr id="1" name=""/>
+        <p:cNvGrpSpPr/>
+        <p:nvPr/>
+      </p:nvGrpSpPr>
+      <p:grpSpPr>
+        <a:xfrm>
+          <a:off x="0" y="0"/>
+          <a:ext cx="0" cy="0"/>
+          <a:chOff x="0" y="0"/>
+          <a:chExt cx="0" cy="0"/>
+        </a:xfrm>
+      </p:grpSpPr>
+      <p:pic>
+        <p:nvPicPr>
+          <p:cNvPr id="1026" name="Picture 2"/>
+          <p:cNvPicPr>
+            <a:picLocks noChangeAspect="1" noChangeArrowheads="1"/>
+          </p:cNvPicPr>
+          <p:nvPr/>
+        </p:nvPicPr>
+        <p:blipFill>
+          <a:blip r:embed="rId2" cstate="print">
+            <a:extLst>
+              <a:ext uri="{28A0092B-C50C-407E-A947-70E740481C1C}">
+                <a14:useLocalDpi xmlns:a14="http://schemas.microsoft.com/office/drawing/2010/main" val="0"/>
+              </a:ext>
+            </a:extLst>
+          </a:blip>
+          <a:srcRect/>
+          <a:stretch>
+            <a:fillRect/>
+          </a:stretch>
+        </p:blipFill>
+        <p:spPr bwMode="auto">
+          <a:xfrm>
+            <a:off x="3616749" y="3068960"/>
+            <a:ext cx="600256" cy="1680716"/>
+          </a:xfrm>
+          <a:prstGeom prst="rect">
+            <a:avLst/>
+          </a:prstGeom>
+          <a:noFill/>
+          <a:ln>
+            <a:noFill/>
+          </a:ln>
+          <a:effectLst/>
+          <a:extLst>
+            <a:ext uri="{909E8E84-426E-40DD-AFC4-6F175D3DCCD1}">
+              <a14:hiddenFill xmlns:a14="http://schemas.microsoft.com/office/drawing/2010/main">
+                <a:solidFill>
+                  <a:schemeClr val="accent1"/>
+                </a:solidFill>
+              </a14:hiddenFill>
+            </a:ext>
+            <a:ext uri="{91240B29-F687-4F45-9708-019B960494DF}">
+              <a14:hiddenLine xmlns:a14="http://schemas.microsoft.com/office/drawing/2010/main" w="9525">
+                <a:solidFill>
+                  <a:schemeClr val="tx1"/>
+                </a:solidFill>
+                <a:miter lim="800000"/>
+                <a:headEnd/>
+                <a:tailEnd/>
+              </a14:hiddenLine>
+            </a:ext>
+            <a:ext uri="{AF507438-7753-43E0-B8FC-AC1667EBCBE1}">
+              <a14:hiddenEffects xmlns:a14="http://schemas.microsoft.com/office/drawing/2010/main">
+                <a:effectLst>
+                  <a:outerShdw dist="35921" dir="2700000" algn="ctr" rotWithShape="0">
+                    <a:schemeClr val="bg2"/>
+                  </a:outerShdw>
+                </a:effectLst>
+              </a14:hiddenEffects>
+            </a:ext>
+          </a:extLst>
+        </p:spPr>
+      </p:pic>
+      <p:pic>
+        <p:nvPicPr>
+          <p:cNvPr id="1027" name="Picture 3" descr="E:\Github\04_Etude_Systemes_Electriques_Analyser_Modeliser_Resoudre_Realiser\01_DipolesSources\TD_01_Girouette_Potentiometre\images\GirouetteAnemometre.png"/>
+          <p:cNvPicPr>
+            <a:picLocks noChangeAspect="1" noChangeArrowheads="1"/>
+          </p:cNvPicPr>
+          <p:nvPr/>
+        </p:nvPicPr>
+        <p:blipFill>
+          <a:blip r:embed="rId3">
+            <a:extLst>
+              <a:ext uri="{28A0092B-C50C-407E-A947-70E740481C1C}">
+                <a14:useLocalDpi xmlns:a14="http://schemas.microsoft.com/office/drawing/2010/main" val="0"/>
+              </a:ext>
+            </a:extLst>
+          </a:blip>
+          <a:srcRect/>
+          <a:stretch>
+            <a:fillRect/>
+          </a:stretch>
+        </p:blipFill>
+        <p:spPr bwMode="auto">
+          <a:xfrm>
+            <a:off x="1979712" y="1196752"/>
+            <a:ext cx="5829300" cy="4127500"/>
+          </a:xfrm>
+          <a:prstGeom prst="rect">
+            <a:avLst/>
+          </a:prstGeom>
+          <a:noFill/>
+          <a:extLst>
+            <a:ext uri="{909E8E84-426E-40DD-AFC4-6F175D3DCCD1}">
+              <a14:hiddenFill xmlns:a14="http://schemas.microsoft.com/office/drawing/2010/main">
+                <a:solidFill>
+                  <a:srgbClr val="FFFFFF"/>
+                </a:solidFill>
+              </a14:hiddenFill>
+            </a:ext>
+          </a:extLst>
+        </p:spPr>
+      </p:pic>
+      <p:sp>
+        <p:nvSpPr>
+          <p:cNvPr id="4" name="Ellipse 3"/>
+          <p:cNvSpPr/>
+          <p:nvPr/>
+        </p:nvSpPr>
+        <p:spPr>
+          <a:xfrm>
+            <a:off x="4678338" y="1772816"/>
+            <a:ext cx="432048" cy="648072"/>
+          </a:xfrm>
+          <a:prstGeom prst="ellipse">
+            <a:avLst/>
+          </a:prstGeom>
+          <a:noFill/>
+          <a:ln>
+            <a:solidFill>
+              <a:srgbClr val="FF0000"/>
+            </a:solidFill>
+          </a:ln>
+        </p:spPr>
+        <p:style>
+          <a:lnRef idx="2">
+            <a:schemeClr val="accent1">
+              <a:shade val="50000"/>
+            </a:schemeClr>
+          </a:lnRef>
+          <a:fillRef idx="1">
+            <a:schemeClr val="accent1"/>
+          </a:fillRef>
+          <a:effectRef idx="0">
+            <a:schemeClr val="accent1"/>
+          </a:effectRef>
+          <a:fontRef idx="minor">
+            <a:schemeClr val="lt1"/>
+          </a:fontRef>
+        </p:style>
+        <p:txBody>
+          <a:bodyPr rtlCol="0" anchor="ctr"/>
+          <a:lstStyle/>
+          <a:p>
+            <a:pPr algn="ctr"/>
+            <a:endParaRPr lang="fr-FR"/>
+          </a:p>
+        </p:txBody>
+      </p:sp>
+      <p:sp>
+        <p:nvSpPr>
+          <p:cNvPr id="5" name="Arc 4"/>
+          <p:cNvSpPr/>
+          <p:nvPr/>
+        </p:nvSpPr>
+        <p:spPr>
+          <a:xfrm>
+            <a:off x="3419872" y="908720"/>
+            <a:ext cx="1474490" cy="3306153"/>
+          </a:xfrm>
+          <a:prstGeom prst="arc">
+            <a:avLst>
+              <a:gd name="adj1" fmla="val 21408704"/>
+              <a:gd name="adj2" fmla="val 5083296"/>
+            </a:avLst>
+          </a:prstGeom>
+          <a:noFill/>
+          <a:ln>
+            <a:solidFill>
+              <a:srgbClr val="FF0000"/>
+            </a:solidFill>
+            <a:headEnd type="none" w="med" len="lg"/>
+            <a:tailEnd type="stealth" w="med" len="lg"/>
+          </a:ln>
+        </p:spPr>
+        <p:style>
+          <a:lnRef idx="2">
+            <a:schemeClr val="accent1">
+              <a:shade val="50000"/>
+            </a:schemeClr>
+          </a:lnRef>
+          <a:fillRef idx="1">
+            <a:schemeClr val="accent1"/>
+          </a:fillRef>
+          <a:effectRef idx="0">
+            <a:schemeClr val="accent1"/>
+          </a:effectRef>
+          <a:fontRef idx="minor">
+            <a:schemeClr val="lt1"/>
+          </a:fontRef>
+        </p:style>
+        <p:txBody>
+          <a:bodyPr rtlCol="0" anchor="ctr"/>
+          <a:lstStyle/>
+          <a:p>
+            <a:pPr algn="ctr"/>
+            <a:endParaRPr lang="fr-FR">
+              <a:solidFill>
+                <a:schemeClr val="lt1"/>
+              </a:solidFill>
+            </a:endParaRPr>
+          </a:p>
+        </p:txBody>
+      </p:sp>
+    </p:spTree>
+    <p:extLst>
+      <p:ext uri="{BB962C8B-B14F-4D97-AF65-F5344CB8AC3E}">
+        <p14:creationId xmlns:p14="http://schemas.microsoft.com/office/powerpoint/2010/main" val="950074986"/>
+      </p:ext>
+    </p:extLst>
+  </p:cSld>
+  <p:clrMapOvr>
+    <a:masterClrMapping/>
+  </p:clrMapOvr>
+</p:sld>
+</file>
+
 <file path=ppt/theme/theme1.xml><?xml version="1.0" encoding="utf-8"?>
 <a:theme xmlns:a="http://schemas.openxmlformats.org/drawingml/2006/main" name="Thème Office">
   <a:themeElements>
